--- a/Presentation-Logistico.pptx
+++ b/Presentation-Logistico.pptx
@@ -106,6 +106,11 @@
       </a:defRPr>
     </a:lvl9pPr>
   </p:defaultTextStyle>
+  <p:extLst>
+    <p:ext uri="{EFAFB233-063F-42B5-8137-9DF3F51BA10A}">
+      <p15:sldGuideLst xmlns:p15="http://schemas.microsoft.com/office/powerpoint/2012/main"/>
+    </p:ext>
+  </p:extLst>
 </p:presentation>
 </file>
 
@@ -256,7 +261,7 @@
           <a:p>
             <a:fld id="{7A4763DB-E022-4C5E-B8C1-A1CDF01B0713}" type="datetimeFigureOut">
               <a:rPr lang="en-US" smtClean="0"/>
-              <a:t>1/15/2020</a:t>
+              <a:t>1/17/2020</a:t>
             </a:fld>
             <a:endParaRPr lang="en-US"/>
           </a:p>
@@ -454,7 +459,7 @@
           <a:p>
             <a:fld id="{7A4763DB-E022-4C5E-B8C1-A1CDF01B0713}" type="datetimeFigureOut">
               <a:rPr lang="en-US" smtClean="0"/>
-              <a:t>1/15/2020</a:t>
+              <a:t>1/17/2020</a:t>
             </a:fld>
             <a:endParaRPr lang="en-US"/>
           </a:p>
@@ -662,7 +667,7 @@
           <a:p>
             <a:fld id="{7A4763DB-E022-4C5E-B8C1-A1CDF01B0713}" type="datetimeFigureOut">
               <a:rPr lang="en-US" smtClean="0"/>
-              <a:t>1/15/2020</a:t>
+              <a:t>1/17/2020</a:t>
             </a:fld>
             <a:endParaRPr lang="en-US"/>
           </a:p>
@@ -860,7 +865,7 @@
           <a:p>
             <a:fld id="{7A4763DB-E022-4C5E-B8C1-A1CDF01B0713}" type="datetimeFigureOut">
               <a:rPr lang="en-US" smtClean="0"/>
-              <a:t>1/15/2020</a:t>
+              <a:t>1/17/2020</a:t>
             </a:fld>
             <a:endParaRPr lang="en-US"/>
           </a:p>
@@ -1135,7 +1140,7 @@
           <a:p>
             <a:fld id="{7A4763DB-E022-4C5E-B8C1-A1CDF01B0713}" type="datetimeFigureOut">
               <a:rPr lang="en-US" smtClean="0"/>
-              <a:t>1/15/2020</a:t>
+              <a:t>1/17/2020</a:t>
             </a:fld>
             <a:endParaRPr lang="en-US"/>
           </a:p>
@@ -1400,7 +1405,7 @@
           <a:p>
             <a:fld id="{7A4763DB-E022-4C5E-B8C1-A1CDF01B0713}" type="datetimeFigureOut">
               <a:rPr lang="en-US" smtClean="0"/>
-              <a:t>1/15/2020</a:t>
+              <a:t>1/17/2020</a:t>
             </a:fld>
             <a:endParaRPr lang="en-US"/>
           </a:p>
@@ -1812,7 +1817,7 @@
           <a:p>
             <a:fld id="{7A4763DB-E022-4C5E-B8C1-A1CDF01B0713}" type="datetimeFigureOut">
               <a:rPr lang="en-US" smtClean="0"/>
-              <a:t>1/15/2020</a:t>
+              <a:t>1/17/2020</a:t>
             </a:fld>
             <a:endParaRPr lang="en-US"/>
           </a:p>
@@ -1953,7 +1958,7 @@
           <a:p>
             <a:fld id="{7A4763DB-E022-4C5E-B8C1-A1CDF01B0713}" type="datetimeFigureOut">
               <a:rPr lang="en-US" smtClean="0"/>
-              <a:t>1/15/2020</a:t>
+              <a:t>1/17/2020</a:t>
             </a:fld>
             <a:endParaRPr lang="en-US"/>
           </a:p>
@@ -2066,7 +2071,7 @@
           <a:p>
             <a:fld id="{7A4763DB-E022-4C5E-B8C1-A1CDF01B0713}" type="datetimeFigureOut">
               <a:rPr lang="en-US" smtClean="0"/>
-              <a:t>1/15/2020</a:t>
+              <a:t>1/17/2020</a:t>
             </a:fld>
             <a:endParaRPr lang="en-US"/>
           </a:p>
@@ -2377,7 +2382,7 @@
           <a:p>
             <a:fld id="{7A4763DB-E022-4C5E-B8C1-A1CDF01B0713}" type="datetimeFigureOut">
               <a:rPr lang="en-US" smtClean="0"/>
-              <a:t>1/15/2020</a:t>
+              <a:t>1/17/2020</a:t>
             </a:fld>
             <a:endParaRPr lang="en-US"/>
           </a:p>
@@ -2665,7 +2670,7 @@
           <a:p>
             <a:fld id="{7A4763DB-E022-4C5E-B8C1-A1CDF01B0713}" type="datetimeFigureOut">
               <a:rPr lang="en-US" smtClean="0"/>
-              <a:t>1/15/2020</a:t>
+              <a:t>1/17/2020</a:t>
             </a:fld>
             <a:endParaRPr lang="en-US"/>
           </a:p>
@@ -2906,7 +2911,7 @@
           <a:p>
             <a:fld id="{7A4763DB-E022-4C5E-B8C1-A1CDF01B0713}" type="datetimeFigureOut">
               <a:rPr lang="en-US" smtClean="0"/>
-              <a:t>1/15/2020</a:t>
+              <a:t>1/17/2020</a:t>
             </a:fld>
             <a:endParaRPr lang="en-US"/>
           </a:p>
@@ -4105,6 +4110,17 @@
 <file path=ppt/slides/slide3.xml><?xml version="1.0" encoding="utf-8"?>
 <p:sld xmlns:a="http://schemas.openxmlformats.org/drawingml/2006/main" xmlns:r="http://schemas.openxmlformats.org/officeDocument/2006/relationships" xmlns:p="http://schemas.openxmlformats.org/presentationml/2006/main">
   <p:cSld>
+    <p:bg>
+      <p:bgPr>
+        <a:solidFill>
+          <a:schemeClr val="bg1">
+            <a:tint val="95000"/>
+            <a:satMod val="170000"/>
+          </a:schemeClr>
+        </a:solidFill>
+        <a:effectLst/>
+      </p:bgPr>
+    </p:bg>
     <p:spTree>
       <p:nvGrpSpPr>
         <p:cNvPr id="1" name=""/>
@@ -4119,6 +4135,95 @@
           <a:chExt cx="0" cy="0"/>
         </a:xfrm>
       </p:grpSpPr>
+      <p:sp useBgFill="1">
+        <p:nvSpPr>
+          <p:cNvPr id="8" name="Rectangle 7">
+            <a:extLst>
+              <a:ext uri="{FF2B5EF4-FFF2-40B4-BE49-F238E27FC236}">
+                <a16:creationId xmlns:a16="http://schemas.microsoft.com/office/drawing/2014/main" id="{8537B233-9CDD-4A90-AABB-A8963DEE4FBC}"/>
+              </a:ext>
+              <a:ext uri="{C183D7F6-B498-43B3-948B-1728B52AA6E4}">
+                <adec:decorative xmlns:adec="http://schemas.microsoft.com/office/drawing/2017/decorative" val="1"/>
+              </a:ext>
+            </a:extLst>
+          </p:cNvPr>
+          <p:cNvSpPr>
+            <a:spLocks noGrp="1" noRot="1" noChangeAspect="1" noMove="1" noResize="1" noEditPoints="1" noAdjustHandles="1" noChangeArrowheads="1" noChangeShapeType="1" noTextEdit="1"/>
+          </p:cNvSpPr>
+          <p:nvPr>
+            <p:extLst>
+              <p:ext uri="{386F3935-93C4-4BCD-93E2-E3B085C9AB24}">
+                <p16:designElem xmlns:p16="http://schemas.microsoft.com/office/powerpoint/2015/main" val="1"/>
+              </p:ext>
+            </p:extLst>
+          </p:nvPr>
+        </p:nvSpPr>
+        <p:spPr>
+          <a:xfrm>
+            <a:off x="0" y="1"/>
+            <a:ext cx="12192000" cy="6858000"/>
+          </a:xfrm>
+          <a:prstGeom prst="rect">
+            <a:avLst/>
+          </a:prstGeom>
+          <a:ln>
+            <a:noFill/>
+          </a:ln>
+        </p:spPr>
+        <p:style>
+          <a:lnRef idx="2">
+            <a:schemeClr val="accent1">
+              <a:shade val="50000"/>
+            </a:schemeClr>
+          </a:lnRef>
+          <a:fillRef idx="1">
+            <a:schemeClr val="accent1"/>
+          </a:fillRef>
+          <a:effectRef idx="0">
+            <a:schemeClr val="accent1"/>
+          </a:effectRef>
+          <a:fontRef idx="minor">
+            <a:schemeClr val="lt1"/>
+          </a:fontRef>
+        </p:style>
+        <p:txBody>
+          <a:bodyPr rtlCol="0" anchor="ctr"/>
+          <a:lstStyle/>
+          <a:p>
+            <a:pPr marL="0" marR="0" lvl="0" indent="0" algn="ctr" defTabSz="914400" rtl="0" eaLnBrk="1" fontAlgn="auto" latinLnBrk="0" hangingPunct="1">
+              <a:lnSpc>
+                <a:spcPct val="100000"/>
+              </a:lnSpc>
+              <a:spcBef>
+                <a:spcPts val="0"/>
+              </a:spcBef>
+              <a:spcAft>
+                <a:spcPts val="0"/>
+              </a:spcAft>
+              <a:buClrTx/>
+              <a:buSzTx/>
+              <a:buFontTx/>
+              <a:buNone/>
+              <a:tabLst/>
+              <a:defRPr/>
+            </a:pPr>
+            <a:endParaRPr kumimoji="0" lang="en-US" sz="1800" b="0" i="0" u="none" strike="noStrike" kern="1200" cap="none" spc="0" normalizeH="0" baseline="0" noProof="0">
+              <a:ln>
+                <a:noFill/>
+              </a:ln>
+              <a:solidFill>
+                <a:prstClr val="white"/>
+              </a:solidFill>
+              <a:effectLst/>
+              <a:uLnTx/>
+              <a:uFillTx/>
+              <a:latin typeface="Tw Cen MT" panose="020B0602020104020603"/>
+              <a:ea typeface="+mn-ea"/>
+              <a:cs typeface="+mn-cs"/>
+            </a:endParaRPr>
+          </a:p>
+        </p:txBody>
+      </p:sp>
       <p:sp>
         <p:nvSpPr>
           <p:cNvPr id="2" name="Title 1">
@@ -4135,15 +4240,122 @@
             <p:ph type="title"/>
           </p:nvPr>
         </p:nvSpPr>
-        <p:spPr/>
-        <p:txBody>
-          <a:bodyPr/>
-          <a:lstStyle/>
-          <a:p>
-            <a:endParaRPr lang="en-US" dirty="0"/>
-          </a:p>
-        </p:txBody>
-      </p:sp>
+        <p:spPr>
+          <a:xfrm>
+            <a:off x="147786" y="818457"/>
+            <a:ext cx="4015780" cy="2975876"/>
+          </a:xfrm>
+        </p:spPr>
+        <p:txBody>
+          <a:bodyPr vert="horz" lIns="91440" tIns="45720" rIns="91440" bIns="45720" rtlCol="0" anchor="b">
+            <a:normAutofit/>
+          </a:bodyPr>
+          <a:lstStyle/>
+          <a:p>
+            <a:r>
+              <a:rPr lang="bg-BG" kern="1200" dirty="0">
+                <a:solidFill>
+                  <a:schemeClr val="tx1"/>
+                </a:solidFill>
+                <a:latin typeface="+mj-lt"/>
+                <a:ea typeface="+mj-ea"/>
+                <a:cs typeface="+mj-cs"/>
+              </a:rPr>
+              <a:t>Входяща връзка</a:t>
+            </a:r>
+            <a:endParaRPr lang="en-US" kern="1200" dirty="0">
+              <a:solidFill>
+                <a:schemeClr val="tx1"/>
+              </a:solidFill>
+              <a:latin typeface="+mj-lt"/>
+              <a:ea typeface="+mj-ea"/>
+              <a:cs typeface="+mj-cs"/>
+            </a:endParaRPr>
+          </a:p>
+        </p:txBody>
+      </p:sp>
+      <p:cxnSp>
+        <p:nvCxnSpPr>
+          <p:cNvPr id="10" name="Straight Connector 9">
+            <a:extLst>
+              <a:ext uri="{FF2B5EF4-FFF2-40B4-BE49-F238E27FC236}">
+                <a16:creationId xmlns:a16="http://schemas.microsoft.com/office/drawing/2014/main" id="{040575EE-C594-4566-BC00-663004E52AB5}"/>
+              </a:ext>
+              <a:ext uri="{C183D7F6-B498-43B3-948B-1728B52AA6E4}">
+                <adec:decorative xmlns:adec="http://schemas.microsoft.com/office/drawing/2017/decorative" val="1"/>
+              </a:ext>
+            </a:extLst>
+          </p:cNvPr>
+          <p:cNvCxnSpPr>
+            <a:cxnSpLocks noGrp="1" noRot="1" noChangeAspect="1" noMove="1" noResize="1" noEditPoints="1" noAdjustHandles="1" noChangeArrowheads="1" noChangeShapeType="1"/>
+          </p:cNvCxnSpPr>
+          <p:nvPr>
+            <p:extLst>
+              <p:ext uri="{386F3935-93C4-4BCD-93E2-E3B085C9AB24}">
+                <p16:designElem xmlns:p16="http://schemas.microsoft.com/office/powerpoint/2015/main" val="1"/>
+              </p:ext>
+            </p:extLst>
+          </p:nvPr>
+        </p:nvCxnSpPr>
+        <p:spPr>
+          <a:xfrm>
+            <a:off x="4763566" y="1417320"/>
+            <a:ext cx="0" cy="4023360"/>
+          </a:xfrm>
+          <a:prstGeom prst="line">
+            <a:avLst/>
+          </a:prstGeom>
+          <a:ln w="15875">
+            <a:solidFill>
+              <a:schemeClr val="tx1"/>
+            </a:solidFill>
+          </a:ln>
+        </p:spPr>
+        <p:style>
+          <a:lnRef idx="1">
+            <a:schemeClr val="accent1"/>
+          </a:lnRef>
+          <a:fillRef idx="0">
+            <a:schemeClr val="accent1"/>
+          </a:fillRef>
+          <a:effectRef idx="0">
+            <a:schemeClr val="accent1"/>
+          </a:effectRef>
+          <a:fontRef idx="minor">
+            <a:schemeClr val="tx1"/>
+          </a:fontRef>
+        </p:style>
+      </p:cxnSp>
+      <p:pic>
+        <p:nvPicPr>
+          <p:cNvPr id="3" name="Picture 2">
+            <a:extLst>
+              <a:ext uri="{FF2B5EF4-FFF2-40B4-BE49-F238E27FC236}">
+                <a16:creationId xmlns:a16="http://schemas.microsoft.com/office/drawing/2014/main" id="{DC914BD4-CDD6-462C-AF82-78434F6CC154}"/>
+              </a:ext>
+            </a:extLst>
+          </p:cNvPr>
+          <p:cNvPicPr>
+            <a:picLocks noChangeAspect="1"/>
+          </p:cNvPicPr>
+          <p:nvPr/>
+        </p:nvPicPr>
+        <p:blipFill>
+          <a:blip r:embed="rId2"/>
+          <a:stretch>
+            <a:fillRect/>
+          </a:stretch>
+        </p:blipFill>
+        <p:spPr>
+          <a:xfrm>
+            <a:off x="5782331" y="566916"/>
+            <a:ext cx="5561241" cy="5724168"/>
+          </a:xfrm>
+          <a:prstGeom prst="rect">
+            <a:avLst/>
+          </a:prstGeom>
+        </p:spPr>
+      </p:pic>
     </p:spTree>
     <p:extLst>
       <p:ext uri="{BB962C8B-B14F-4D97-AF65-F5344CB8AC3E}">
@@ -4152,7 +4364,7 @@
     </p:extLst>
   </p:cSld>
   <p:clrMapOvr>
-    <a:masterClrMapping/>
+    <a:overrideClrMapping bg1="dk1" tx1="lt1" bg2="dk2" tx2="lt2" accent1="accent1" accent2="accent2" accent3="accent3" accent4="accent4" accent5="accent5" accent6="accent6" hlink="hlink" folHlink="folHlink"/>
   </p:clrMapOvr>
 </p:sld>
 </file>

--- a/Presentation-Logistico.pptx
+++ b/Presentation-Logistico.pptx
@@ -8,6 +8,8 @@
     <p:sldId id="256" r:id="rId2"/>
     <p:sldId id="257" r:id="rId3"/>
     <p:sldId id="258" r:id="rId4"/>
+    <p:sldId id="259" r:id="rId5"/>
+    <p:sldId id="260" r:id="rId6"/>
   </p:sldIdLst>
   <p:sldSz cx="12192000" cy="6858000"/>
   <p:notesSz cx="6858000" cy="9144000"/>
@@ -4369,6 +4371,1315 @@
 </p:sld>
 </file>
 
+<file path=ppt/slides/slide4.xml><?xml version="1.0" encoding="utf-8"?>
+<p:sld xmlns:a="http://schemas.openxmlformats.org/drawingml/2006/main" xmlns:r="http://schemas.openxmlformats.org/officeDocument/2006/relationships" xmlns:p="http://schemas.openxmlformats.org/presentationml/2006/main">
+  <p:cSld>
+    <p:bg>
+      <p:bgPr>
+        <a:solidFill>
+          <a:schemeClr val="bg1"/>
+        </a:solidFill>
+        <a:effectLst/>
+      </p:bgPr>
+    </p:bg>
+    <p:spTree>
+      <p:nvGrpSpPr>
+        <p:cNvPr id="1" name=""/>
+        <p:cNvGrpSpPr/>
+        <p:nvPr/>
+      </p:nvGrpSpPr>
+      <p:grpSpPr>
+        <a:xfrm>
+          <a:off x="0" y="0"/>
+          <a:ext cx="0" cy="0"/>
+          <a:chOff x="0" y="0"/>
+          <a:chExt cx="0" cy="0"/>
+        </a:xfrm>
+      </p:grpSpPr>
+      <p:sp useBgFill="1">
+        <p:nvSpPr>
+          <p:cNvPr id="10" name="Rectangle 9">
+            <a:extLst>
+              <a:ext uri="{FF2B5EF4-FFF2-40B4-BE49-F238E27FC236}">
+                <a16:creationId xmlns:a16="http://schemas.microsoft.com/office/drawing/2014/main" id="{2C9A9DA9-7DC8-488B-A882-123947B0F3D9}"/>
+              </a:ext>
+              <a:ext uri="{C183D7F6-B498-43B3-948B-1728B52AA6E4}">
+                <adec:decorative xmlns:adec="http://schemas.microsoft.com/office/drawing/2017/decorative" val="1"/>
+              </a:ext>
+            </a:extLst>
+          </p:cNvPr>
+          <p:cNvSpPr>
+            <a:spLocks noGrp="1" noRot="1" noChangeAspect="1" noMove="1" noResize="1" noEditPoints="1" noAdjustHandles="1" noChangeArrowheads="1" noChangeShapeType="1" noTextEdit="1"/>
+          </p:cNvSpPr>
+          <p:nvPr>
+            <p:extLst>
+              <p:ext uri="{386F3935-93C4-4BCD-93E2-E3B085C9AB24}">
+                <p16:designElem xmlns:p16="http://schemas.microsoft.com/office/powerpoint/2015/main" val="1"/>
+              </p:ext>
+            </p:extLst>
+          </p:nvPr>
+        </p:nvSpPr>
+        <p:spPr>
+          <a:xfrm>
+            <a:off x="0" y="0"/>
+            <a:ext cx="12192000" cy="6858000"/>
+          </a:xfrm>
+          <a:prstGeom prst="rect">
+            <a:avLst/>
+          </a:prstGeom>
+          <a:ln>
+            <a:noFill/>
+          </a:ln>
+        </p:spPr>
+        <p:style>
+          <a:lnRef idx="2">
+            <a:schemeClr val="accent1">
+              <a:shade val="50000"/>
+            </a:schemeClr>
+          </a:lnRef>
+          <a:fillRef idx="1">
+            <a:schemeClr val="accent1"/>
+          </a:fillRef>
+          <a:effectRef idx="0">
+            <a:schemeClr val="accent1"/>
+          </a:effectRef>
+          <a:fontRef idx="minor">
+            <a:schemeClr val="lt1"/>
+          </a:fontRef>
+        </p:style>
+        <p:txBody>
+          <a:bodyPr rtlCol="0" anchor="ctr"/>
+          <a:lstStyle/>
+          <a:p>
+            <a:pPr algn="ctr"/>
+            <a:endParaRPr lang="en-US"/>
+          </a:p>
+        </p:txBody>
+      </p:sp>
+      <p:sp useBgFill="1">
+        <p:nvSpPr>
+          <p:cNvPr id="12" name="Rectangle 11">
+            <a:extLst>
+              <a:ext uri="{FF2B5EF4-FFF2-40B4-BE49-F238E27FC236}">
+                <a16:creationId xmlns:a16="http://schemas.microsoft.com/office/drawing/2014/main" id="{57F6BDD4-E066-4008-8011-6CC31AEB4556}"/>
+              </a:ext>
+              <a:ext uri="{C183D7F6-B498-43B3-948B-1728B52AA6E4}">
+                <adec:decorative xmlns:adec="http://schemas.microsoft.com/office/drawing/2017/decorative" val="1"/>
+              </a:ext>
+            </a:extLst>
+          </p:cNvPr>
+          <p:cNvSpPr>
+            <a:spLocks noGrp="1" noRot="1" noChangeAspect="1" noMove="1" noResize="1" noEditPoints="1" noAdjustHandles="1" noChangeArrowheads="1" noChangeShapeType="1" noTextEdit="1"/>
+          </p:cNvSpPr>
+          <p:nvPr>
+            <p:extLst>
+              <p:ext uri="{386F3935-93C4-4BCD-93E2-E3B085C9AB24}">
+                <p16:designElem xmlns:p16="http://schemas.microsoft.com/office/powerpoint/2015/main" val="1"/>
+              </p:ext>
+            </p:extLst>
+          </p:nvPr>
+        </p:nvSpPr>
+        <p:spPr>
+          <a:xfrm>
+            <a:off x="409575" y="633619"/>
+            <a:ext cx="4279383" cy="5495925"/>
+          </a:xfrm>
+          <a:prstGeom prst="rect">
+            <a:avLst/>
+          </a:prstGeom>
+          <a:ln w="9525">
+            <a:solidFill>
+              <a:srgbClr val="EFEFEF"/>
+            </a:solidFill>
+          </a:ln>
+          <a:effectLst>
+            <a:outerShdw blurRad="50800" dist="38100" dir="2700000" algn="tl" rotWithShape="0">
+              <a:schemeClr val="bg1">
+                <a:lumMod val="85000"/>
+                <a:alpha val="30000"/>
+              </a:schemeClr>
+            </a:outerShdw>
+          </a:effectLst>
+        </p:spPr>
+        <p:style>
+          <a:lnRef idx="2">
+            <a:schemeClr val="accent1">
+              <a:shade val="50000"/>
+            </a:schemeClr>
+          </a:lnRef>
+          <a:fillRef idx="1">
+            <a:schemeClr val="accent1"/>
+          </a:fillRef>
+          <a:effectRef idx="0">
+            <a:schemeClr val="accent1"/>
+          </a:effectRef>
+          <a:fontRef idx="minor">
+            <a:schemeClr val="lt1"/>
+          </a:fontRef>
+        </p:style>
+        <p:txBody>
+          <a:bodyPr rtlCol="0" anchor="ctr"/>
+          <a:lstStyle/>
+          <a:p>
+            <a:pPr marL="0" marR="0" lvl="0" indent="0" algn="ctr" defTabSz="914400" rtl="0" eaLnBrk="1" fontAlgn="auto" latinLnBrk="0" hangingPunct="1">
+              <a:lnSpc>
+                <a:spcPct val="100000"/>
+              </a:lnSpc>
+              <a:spcBef>
+                <a:spcPts val="0"/>
+              </a:spcBef>
+              <a:spcAft>
+                <a:spcPts val="0"/>
+              </a:spcAft>
+              <a:buClrTx/>
+              <a:buSzTx/>
+              <a:buFontTx/>
+              <a:buNone/>
+              <a:tabLst/>
+              <a:defRPr/>
+            </a:pPr>
+            <a:endParaRPr kumimoji="0" lang="en-US" sz="1800" b="0" i="0" u="none" strike="noStrike" kern="1200" cap="none" spc="0" normalizeH="0" baseline="0" noProof="0">
+              <a:ln>
+                <a:noFill/>
+              </a:ln>
+              <a:solidFill>
+                <a:prstClr val="white"/>
+              </a:solidFill>
+              <a:effectLst/>
+              <a:uLnTx/>
+              <a:uFillTx/>
+              <a:latin typeface="Calibri" panose="020F0502020204030204"/>
+              <a:ea typeface="+mn-ea"/>
+              <a:cs typeface="+mn-cs"/>
+            </a:endParaRPr>
+          </a:p>
+        </p:txBody>
+      </p:sp>
+      <p:sp>
+        <p:nvSpPr>
+          <p:cNvPr id="2" name="Title 1">
+            <a:extLst>
+              <a:ext uri="{FF2B5EF4-FFF2-40B4-BE49-F238E27FC236}">
+                <a16:creationId xmlns:a16="http://schemas.microsoft.com/office/drawing/2014/main" id="{1273CED6-A100-4DDD-8E91-BCCDF089425F}"/>
+              </a:ext>
+            </a:extLst>
+          </p:cNvPr>
+          <p:cNvSpPr>
+            <a:spLocks noGrp="1"/>
+          </p:cNvSpPr>
+          <p:nvPr>
+            <p:ph type="title"/>
+          </p:nvPr>
+        </p:nvSpPr>
+        <p:spPr>
+          <a:xfrm>
+            <a:off x="841247" y="978619"/>
+            <a:ext cx="3410712" cy="1106424"/>
+          </a:xfrm>
+        </p:spPr>
+        <p:txBody>
+          <a:bodyPr vert="horz" lIns="91440" tIns="45720" rIns="91440" bIns="45720" rtlCol="0" anchor="ctr">
+            <a:normAutofit/>
+          </a:bodyPr>
+          <a:lstStyle/>
+          <a:p>
+            <a:r>
+              <a:rPr lang="en-US" sz="2800" kern="1200" dirty="0" err="1">
+                <a:solidFill>
+                  <a:schemeClr val="tx1"/>
+                </a:solidFill>
+                <a:latin typeface="+mj-lt"/>
+                <a:ea typeface="+mj-ea"/>
+                <a:cs typeface="+mj-cs"/>
+              </a:rPr>
+              <a:t>Какво</a:t>
+            </a:r>
+            <a:r>
+              <a:rPr lang="en-US" sz="2800" kern="1200" dirty="0">
+                <a:solidFill>
+                  <a:schemeClr val="tx1"/>
+                </a:solidFill>
+                <a:latin typeface="+mj-lt"/>
+                <a:ea typeface="+mj-ea"/>
+                <a:cs typeface="+mj-cs"/>
+              </a:rPr>
+              <a:t> </a:t>
+            </a:r>
+            <a:r>
+              <a:rPr lang="en-US" sz="2800" kern="1200" dirty="0" err="1">
+                <a:solidFill>
+                  <a:schemeClr val="tx1"/>
+                </a:solidFill>
+                <a:latin typeface="+mj-lt"/>
+                <a:ea typeface="+mj-ea"/>
+                <a:cs typeface="+mj-cs"/>
+              </a:rPr>
+              <a:t>сме</a:t>
+            </a:r>
+            <a:r>
+              <a:rPr lang="en-US" sz="2800" kern="1200" dirty="0">
+                <a:solidFill>
+                  <a:schemeClr val="tx1"/>
+                </a:solidFill>
+                <a:latin typeface="+mj-lt"/>
+                <a:ea typeface="+mj-ea"/>
+                <a:cs typeface="+mj-cs"/>
+              </a:rPr>
+              <a:t> </a:t>
+            </a:r>
+            <a:r>
+              <a:rPr lang="en-US" sz="2800" kern="1200" dirty="0" err="1">
+                <a:solidFill>
+                  <a:schemeClr val="tx1"/>
+                </a:solidFill>
+                <a:latin typeface="+mj-lt"/>
+                <a:ea typeface="+mj-ea"/>
+                <a:cs typeface="+mj-cs"/>
+              </a:rPr>
+              <a:t>изпълнили</a:t>
+            </a:r>
+            <a:r>
+              <a:rPr lang="en-US" sz="2800" kern="1200" dirty="0">
+                <a:solidFill>
+                  <a:schemeClr val="tx1"/>
+                </a:solidFill>
+                <a:latin typeface="+mj-lt"/>
+                <a:ea typeface="+mj-ea"/>
+                <a:cs typeface="+mj-cs"/>
+              </a:rPr>
+              <a:t>?</a:t>
+            </a:r>
+          </a:p>
+        </p:txBody>
+      </p:sp>
+      <p:sp>
+        <p:nvSpPr>
+          <p:cNvPr id="14" name="Rectangle 13">
+            <a:extLst>
+              <a:ext uri="{FF2B5EF4-FFF2-40B4-BE49-F238E27FC236}">
+                <a16:creationId xmlns:a16="http://schemas.microsoft.com/office/drawing/2014/main" id="{2711A8FB-68FC-45FC-B01E-38F809E2D439}"/>
+              </a:ext>
+              <a:ext uri="{C183D7F6-B498-43B3-948B-1728B52AA6E4}">
+                <adec:decorative xmlns:adec="http://schemas.microsoft.com/office/drawing/2017/decorative" val="1"/>
+              </a:ext>
+            </a:extLst>
+          </p:cNvPr>
+          <p:cNvSpPr>
+            <a:spLocks noGrp="1" noRot="1" noChangeAspect="1" noMove="1" noResize="1" noEditPoints="1" noAdjustHandles="1" noChangeArrowheads="1" noChangeShapeType="1" noTextEdit="1"/>
+          </p:cNvSpPr>
+          <p:nvPr>
+            <p:extLst>
+              <p:ext uri="{386F3935-93C4-4BCD-93E2-E3B085C9AB24}">
+                <p16:designElem xmlns:p16="http://schemas.microsoft.com/office/powerpoint/2015/main" val="1"/>
+              </p:ext>
+            </p:extLst>
+          </p:nvPr>
+        </p:nvSpPr>
+        <p:spPr>
+          <a:xfrm>
+            <a:off x="345567" y="1171300"/>
+            <a:ext cx="128016" cy="704088"/>
+          </a:xfrm>
+          <a:prstGeom prst="rect">
+            <a:avLst/>
+          </a:prstGeom>
+          <a:solidFill>
+            <a:schemeClr val="accent2"/>
+          </a:solidFill>
+          <a:ln>
+            <a:noFill/>
+          </a:ln>
+        </p:spPr>
+        <p:style>
+          <a:lnRef idx="2">
+            <a:schemeClr val="accent1">
+              <a:shade val="50000"/>
+            </a:schemeClr>
+          </a:lnRef>
+          <a:fillRef idx="1">
+            <a:schemeClr val="accent1"/>
+          </a:fillRef>
+          <a:effectRef idx="0">
+            <a:schemeClr val="accent1"/>
+          </a:effectRef>
+          <a:fontRef idx="minor">
+            <a:schemeClr val="lt1"/>
+          </a:fontRef>
+        </p:style>
+        <p:txBody>
+          <a:bodyPr rtlCol="0" anchor="ctr"/>
+          <a:lstStyle/>
+          <a:p>
+            <a:pPr algn="ctr"/>
+            <a:endParaRPr lang="en-US">
+              <a:solidFill>
+                <a:prstClr val="white"/>
+              </a:solidFill>
+              <a:latin typeface="Calibri" panose="020F0502020204030204"/>
+            </a:endParaRPr>
+          </a:p>
+        </p:txBody>
+      </p:sp>
+      <p:sp>
+        <p:nvSpPr>
+          <p:cNvPr id="16" name="Rectangle 15">
+            <a:extLst>
+              <a:ext uri="{FF2B5EF4-FFF2-40B4-BE49-F238E27FC236}">
+                <a16:creationId xmlns:a16="http://schemas.microsoft.com/office/drawing/2014/main" id="{2A865FE3-5FC9-4049-87CF-30019C46C0F5}"/>
+              </a:ext>
+              <a:ext uri="{C183D7F6-B498-43B3-948B-1728B52AA6E4}">
+                <adec:decorative xmlns:adec="http://schemas.microsoft.com/office/drawing/2017/decorative" val="1"/>
+              </a:ext>
+            </a:extLst>
+          </p:cNvPr>
+          <p:cNvSpPr>
+            <a:spLocks noGrp="1" noRot="1" noChangeAspect="1" noMove="1" noResize="1" noEditPoints="1" noAdjustHandles="1" noChangeArrowheads="1" noChangeShapeType="1" noTextEdit="1"/>
+          </p:cNvSpPr>
+          <p:nvPr>
+            <p:extLst>
+              <p:ext uri="{386F3935-93C4-4BCD-93E2-E3B085C9AB24}">
+                <p16:designElem xmlns:p16="http://schemas.microsoft.com/office/powerpoint/2015/main" val="1"/>
+              </p:ext>
+            </p:extLst>
+          </p:nvPr>
+        </p:nvSpPr>
+        <p:spPr>
+          <a:xfrm>
+            <a:off x="877459" y="2093976"/>
+            <a:ext cx="3328416" cy="9144"/>
+          </a:xfrm>
+          <a:prstGeom prst="rect">
+            <a:avLst/>
+          </a:prstGeom>
+          <a:solidFill>
+            <a:srgbClr val="D5D5D5"/>
+          </a:solidFill>
+          <a:ln w="3175">
+            <a:noFill/>
+          </a:ln>
+          <a:effectLst/>
+        </p:spPr>
+        <p:style>
+          <a:lnRef idx="2">
+            <a:schemeClr val="accent1">
+              <a:shade val="50000"/>
+            </a:schemeClr>
+          </a:lnRef>
+          <a:fillRef idx="1">
+            <a:schemeClr val="accent1"/>
+          </a:fillRef>
+          <a:effectRef idx="0">
+            <a:schemeClr val="accent1"/>
+          </a:effectRef>
+          <a:fontRef idx="minor">
+            <a:schemeClr val="lt1"/>
+          </a:fontRef>
+        </p:style>
+        <p:txBody>
+          <a:bodyPr rtlCol="0" anchor="ctr"/>
+          <a:lstStyle/>
+          <a:p>
+            <a:pPr algn="ctr"/>
+            <a:endParaRPr lang="en-US">
+              <a:solidFill>
+                <a:prstClr val="white"/>
+              </a:solidFill>
+              <a:latin typeface="Calibri" panose="020F0502020204030204"/>
+            </a:endParaRPr>
+          </a:p>
+        </p:txBody>
+      </p:sp>
+      <p:sp>
+        <p:nvSpPr>
+          <p:cNvPr id="3" name="TextBox 2">
+            <a:extLst>
+              <a:ext uri="{FF2B5EF4-FFF2-40B4-BE49-F238E27FC236}">
+                <a16:creationId xmlns:a16="http://schemas.microsoft.com/office/drawing/2014/main" id="{F5F8565E-B953-4710-8E60-FC958B7E78DC}"/>
+              </a:ext>
+            </a:extLst>
+          </p:cNvPr>
+          <p:cNvSpPr txBox="1"/>
+          <p:nvPr/>
+        </p:nvSpPr>
+        <p:spPr>
+          <a:xfrm>
+            <a:off x="841248" y="2252870"/>
+            <a:ext cx="3412219" cy="3560251"/>
+          </a:xfrm>
+          <a:prstGeom prst="rect">
+            <a:avLst/>
+          </a:prstGeom>
+        </p:spPr>
+        <p:txBody>
+          <a:bodyPr vert="horz" lIns="91440" tIns="45720" rIns="91440" bIns="45720" rtlCol="0">
+            <a:normAutofit fontScale="85000" lnSpcReduction="10000"/>
+          </a:bodyPr>
+          <a:lstStyle/>
+          <a:p>
+            <a:pPr marL="342900" indent="-285750">
+              <a:lnSpc>
+                <a:spcPct val="90000"/>
+              </a:lnSpc>
+              <a:spcAft>
+                <a:spcPts val="600"/>
+              </a:spcAft>
+              <a:buFont typeface="Arial" panose="020B0604020202020204" pitchFamily="34" charset="0"/>
+              <a:buChar char="•"/>
+            </a:pPr>
+            <a:r>
+              <a:rPr lang="en-US" sz="1700" dirty="0" err="1"/>
+              <a:t>Спазени</a:t>
+            </a:r>
+            <a:r>
+              <a:rPr lang="en-US" sz="1700" dirty="0"/>
+              <a:t> </a:t>
+            </a:r>
+            <a:r>
+              <a:rPr lang="en-US" sz="1700" dirty="0" err="1"/>
+              <a:t>всички</a:t>
+            </a:r>
+            <a:r>
+              <a:rPr lang="en-US" sz="1700" dirty="0"/>
+              <a:t> </a:t>
+            </a:r>
+            <a:r>
+              <a:rPr lang="bg-BG" sz="1700" dirty="0"/>
+              <a:t>посочени </a:t>
+            </a:r>
+            <a:r>
+              <a:rPr lang="en-US" sz="1700" dirty="0" err="1"/>
+              <a:t>изисквания</a:t>
+            </a:r>
+            <a:r>
+              <a:rPr lang="en-US" sz="1700" dirty="0"/>
+              <a:t> </a:t>
+            </a:r>
+            <a:r>
+              <a:rPr lang="bg-BG" sz="1700" dirty="0"/>
+              <a:t>   </a:t>
+            </a:r>
+            <a:r>
+              <a:rPr lang="en-US" sz="1700" dirty="0" err="1"/>
+              <a:t>към</a:t>
+            </a:r>
+            <a:r>
+              <a:rPr lang="en-US" sz="1700" dirty="0"/>
+              <a:t> </a:t>
+            </a:r>
+            <a:r>
+              <a:rPr lang="en-US" sz="1700" dirty="0" err="1"/>
+              <a:t>проекта</a:t>
+            </a:r>
+            <a:r>
+              <a:rPr lang="en-US" sz="1700" dirty="0"/>
+              <a:t>.</a:t>
+            </a:r>
+          </a:p>
+          <a:p>
+            <a:pPr marL="342900" indent="-285750">
+              <a:lnSpc>
+                <a:spcPct val="90000"/>
+              </a:lnSpc>
+              <a:spcAft>
+                <a:spcPts val="600"/>
+              </a:spcAft>
+              <a:buFont typeface="Arial" panose="020B0604020202020204" pitchFamily="34" charset="0"/>
+              <a:buChar char="•"/>
+            </a:pPr>
+            <a:r>
+              <a:rPr lang="en-US" sz="1700" dirty="0" err="1"/>
+              <a:t>Следване</a:t>
+            </a:r>
+            <a:r>
+              <a:rPr lang="en-US" sz="1700" dirty="0"/>
+              <a:t> </a:t>
+            </a:r>
+            <a:r>
+              <a:rPr lang="en-US" sz="1700" dirty="0" err="1"/>
+              <a:t>са</a:t>
+            </a:r>
+            <a:r>
+              <a:rPr lang="en-US" sz="1700" dirty="0"/>
+              <a:t> </a:t>
+            </a:r>
+            <a:r>
+              <a:rPr lang="en-US" sz="1700" dirty="0" err="1"/>
+              <a:t>добри</a:t>
+            </a:r>
+            <a:r>
+              <a:rPr lang="bg-BG" sz="1700" dirty="0"/>
+              <a:t>те</a:t>
+            </a:r>
+            <a:r>
+              <a:rPr lang="en-US" sz="1700" dirty="0"/>
+              <a:t> </a:t>
+            </a:r>
+            <a:r>
+              <a:rPr lang="en-US" sz="1700" dirty="0" err="1"/>
+              <a:t>практики</a:t>
+            </a:r>
+            <a:r>
+              <a:rPr lang="bg-BG" sz="1700" dirty="0"/>
+              <a:t> за </a:t>
+            </a:r>
+            <a:r>
+              <a:rPr lang="en-US" sz="1700" dirty="0"/>
+              <a:t>SEO</a:t>
+            </a:r>
+            <a:r>
+              <a:rPr lang="bg-BG" sz="1700" dirty="0"/>
+              <a:t>.</a:t>
+            </a:r>
+          </a:p>
+          <a:p>
+            <a:pPr marL="342900" indent="-285750">
+              <a:lnSpc>
+                <a:spcPct val="90000"/>
+              </a:lnSpc>
+              <a:spcAft>
+                <a:spcPts val="600"/>
+              </a:spcAft>
+              <a:buFont typeface="Arial" panose="020B0604020202020204" pitchFamily="34" charset="0"/>
+              <a:buChar char="•"/>
+            </a:pPr>
+            <a:r>
+              <a:rPr lang="en-US" sz="1700" dirty="0">
+                <a:hlinkClick r:id="rId2"/>
+              </a:rPr>
+              <a:t>http://logistico.herokuapp.com/index.html</a:t>
+            </a:r>
+            <a:endParaRPr lang="bg-BG" sz="1700" dirty="0"/>
+          </a:p>
+          <a:p>
+            <a:pPr marL="342900" indent="-285750">
+              <a:lnSpc>
+                <a:spcPct val="90000"/>
+              </a:lnSpc>
+              <a:spcAft>
+                <a:spcPts val="600"/>
+              </a:spcAft>
+              <a:buFont typeface="Arial" panose="020B0604020202020204" pitchFamily="34" charset="0"/>
+              <a:buChar char="•"/>
+            </a:pPr>
+            <a:r>
+              <a:rPr lang="bg-BG" sz="1700" dirty="0"/>
+              <a:t>Използва се </a:t>
+            </a:r>
+            <a:r>
+              <a:rPr lang="en-US" sz="1700" dirty="0"/>
+              <a:t>Google Analytics.</a:t>
+            </a:r>
+          </a:p>
+          <a:p>
+            <a:pPr marL="342900" indent="-285750">
+              <a:lnSpc>
+                <a:spcPct val="90000"/>
+              </a:lnSpc>
+              <a:spcAft>
+                <a:spcPts val="600"/>
+              </a:spcAft>
+              <a:buFont typeface="Arial" panose="020B0604020202020204" pitchFamily="34" charset="0"/>
+              <a:buChar char="•"/>
+            </a:pPr>
+            <a:r>
+              <a:rPr lang="bg-BG" sz="1700" dirty="0"/>
+              <a:t>Съдържа 100% авторски текст, видео и необходимият брой изображения</a:t>
+            </a:r>
+          </a:p>
+          <a:p>
+            <a:pPr marL="342900" indent="-285750">
+              <a:lnSpc>
+                <a:spcPct val="90000"/>
+              </a:lnSpc>
+              <a:spcAft>
+                <a:spcPts val="600"/>
+              </a:spcAft>
+              <a:buFont typeface="Arial" panose="020B0604020202020204" pitchFamily="34" charset="0"/>
+              <a:buChar char="•"/>
+            </a:pPr>
+            <a:r>
+              <a:rPr lang="bg-BG" sz="1700" dirty="0"/>
+              <a:t>Има секции Често задавани въпроси и Условия за ползване, съобразени с българското законодателство</a:t>
+            </a:r>
+          </a:p>
+          <a:p>
+            <a:pPr marL="342900" indent="-285750">
+              <a:lnSpc>
+                <a:spcPct val="90000"/>
+              </a:lnSpc>
+              <a:spcAft>
+                <a:spcPts val="600"/>
+              </a:spcAft>
+              <a:buFont typeface="Arial" panose="020B0604020202020204" pitchFamily="34" charset="0"/>
+              <a:buChar char="•"/>
+            </a:pPr>
+            <a:r>
+              <a:rPr lang="bg-BG" sz="1600" dirty="0"/>
+              <a:t>Проучване на конкурентни източници.</a:t>
+            </a:r>
+          </a:p>
+          <a:p>
+            <a:pPr marL="342900" indent="-285750">
+              <a:lnSpc>
+                <a:spcPct val="90000"/>
+              </a:lnSpc>
+              <a:spcAft>
+                <a:spcPts val="600"/>
+              </a:spcAft>
+              <a:buFont typeface="Arial" panose="020B0604020202020204" pitchFamily="34" charset="0"/>
+              <a:buChar char="•"/>
+            </a:pPr>
+            <a:r>
+              <a:rPr lang="bg-BG" sz="1600" dirty="0"/>
+              <a:t>Оптимално разпределение на задачите в екипа.</a:t>
+            </a:r>
+            <a:endParaRPr lang="en-US" sz="1600" dirty="0"/>
+          </a:p>
+        </p:txBody>
+      </p:sp>
+      <p:pic>
+        <p:nvPicPr>
+          <p:cNvPr id="5" name="Picture 4" descr="A picture containing helmet&#10;&#10;Description automatically generated">
+            <a:extLst>
+              <a:ext uri="{FF2B5EF4-FFF2-40B4-BE49-F238E27FC236}">
+                <a16:creationId xmlns:a16="http://schemas.microsoft.com/office/drawing/2014/main" id="{3FC7B9E2-D0F1-442C-B33A-C2C8E5476D12}"/>
+              </a:ext>
+            </a:extLst>
+          </p:cNvPr>
+          <p:cNvPicPr>
+            <a:picLocks noChangeAspect="1"/>
+          </p:cNvPicPr>
+          <p:nvPr/>
+        </p:nvPicPr>
+        <p:blipFill>
+          <a:blip r:embed="rId3">
+            <a:extLst>
+              <a:ext uri="{28A0092B-C50C-407E-A947-70E740481C1C}">
+                <a14:useLocalDpi xmlns:a14="http://schemas.microsoft.com/office/drawing/2010/main" val="0"/>
+              </a:ext>
+            </a:extLst>
+          </a:blip>
+          <a:stretch>
+            <a:fillRect/>
+          </a:stretch>
+        </p:blipFill>
+        <p:spPr>
+          <a:xfrm>
+            <a:off x="6096183" y="1536773"/>
+            <a:ext cx="5254569" cy="3784453"/>
+          </a:xfrm>
+          <a:prstGeom prst="rect">
+            <a:avLst/>
+          </a:prstGeom>
+        </p:spPr>
+      </p:pic>
+    </p:spTree>
+    <p:extLst>
+      <p:ext uri="{BB962C8B-B14F-4D97-AF65-F5344CB8AC3E}">
+        <p14:creationId xmlns:p14="http://schemas.microsoft.com/office/powerpoint/2010/main" val="3751783218"/>
+      </p:ext>
+    </p:extLst>
+  </p:cSld>
+  <p:clrMapOvr>
+    <a:masterClrMapping/>
+  </p:clrMapOvr>
+</p:sld>
+</file>
+
+<file path=ppt/slides/slide5.xml><?xml version="1.0" encoding="utf-8"?>
+<p:sld xmlns:a="http://schemas.openxmlformats.org/drawingml/2006/main" xmlns:r="http://schemas.openxmlformats.org/officeDocument/2006/relationships" xmlns:p="http://schemas.openxmlformats.org/presentationml/2006/main">
+  <p:cSld>
+    <p:bg>
+      <p:bgPr>
+        <a:solidFill>
+          <a:schemeClr val="bg1"/>
+        </a:solidFill>
+        <a:effectLst/>
+      </p:bgPr>
+    </p:bg>
+    <p:spTree>
+      <p:nvGrpSpPr>
+        <p:cNvPr id="1" name=""/>
+        <p:cNvGrpSpPr/>
+        <p:nvPr/>
+      </p:nvGrpSpPr>
+      <p:grpSpPr>
+        <a:xfrm>
+          <a:off x="0" y="0"/>
+          <a:ext cx="0" cy="0"/>
+          <a:chOff x="0" y="0"/>
+          <a:chExt cx="0" cy="0"/>
+        </a:xfrm>
+      </p:grpSpPr>
+      <p:sp>
+        <p:nvSpPr>
+          <p:cNvPr id="10" name="Rectangle 9">
+            <a:extLst>
+              <a:ext uri="{FF2B5EF4-FFF2-40B4-BE49-F238E27FC236}">
+                <a16:creationId xmlns:a16="http://schemas.microsoft.com/office/drawing/2014/main" id="{C0B27210-D0CA-4654-B3E3-9ABB4F178EA1}"/>
+              </a:ext>
+              <a:ext uri="{C183D7F6-B498-43B3-948B-1728B52AA6E4}">
+                <adec:decorative xmlns:adec="http://schemas.microsoft.com/office/drawing/2017/decorative" val="1"/>
+              </a:ext>
+            </a:extLst>
+          </p:cNvPr>
+          <p:cNvSpPr>
+            <a:spLocks noGrp="1" noRot="1" noChangeAspect="1" noMove="1" noResize="1" noEditPoints="1" noAdjustHandles="1" noChangeArrowheads="1" noChangeShapeType="1" noTextEdit="1"/>
+          </p:cNvSpPr>
+          <p:nvPr>
+            <p:extLst>
+              <p:ext uri="{386F3935-93C4-4BCD-93E2-E3B085C9AB24}">
+                <p16:designElem xmlns:p16="http://schemas.microsoft.com/office/powerpoint/2015/main" val="1"/>
+              </p:ext>
+            </p:extLst>
+          </p:nvPr>
+        </p:nvSpPr>
+        <p:spPr>
+          <a:xfrm>
+            <a:off x="0" y="0"/>
+            <a:ext cx="12192000" cy="6858000"/>
+          </a:xfrm>
+          <a:prstGeom prst="rect">
+            <a:avLst/>
+          </a:prstGeom>
+          <a:solidFill>
+            <a:schemeClr val="tx1">
+              <a:lumMod val="75000"/>
+              <a:lumOff val="25000"/>
+            </a:schemeClr>
+          </a:solidFill>
+          <a:ln>
+            <a:noFill/>
+          </a:ln>
+        </p:spPr>
+        <p:style>
+          <a:lnRef idx="2">
+            <a:schemeClr val="accent1">
+              <a:shade val="50000"/>
+            </a:schemeClr>
+          </a:lnRef>
+          <a:fillRef idx="1">
+            <a:schemeClr val="accent1"/>
+          </a:fillRef>
+          <a:effectRef idx="0">
+            <a:schemeClr val="accent1"/>
+          </a:effectRef>
+          <a:fontRef idx="minor">
+            <a:schemeClr val="lt1"/>
+          </a:fontRef>
+        </p:style>
+        <p:txBody>
+          <a:bodyPr rtlCol="0" anchor="ctr"/>
+          <a:lstStyle/>
+          <a:p>
+            <a:pPr algn="ctr"/>
+            <a:endParaRPr lang="en-US"/>
+          </a:p>
+        </p:txBody>
+      </p:sp>
+      <p:sp>
+        <p:nvSpPr>
+          <p:cNvPr id="2" name="Title 1">
+            <a:extLst>
+              <a:ext uri="{FF2B5EF4-FFF2-40B4-BE49-F238E27FC236}">
+                <a16:creationId xmlns:a16="http://schemas.microsoft.com/office/drawing/2014/main" id="{EFBCD2F2-9851-4CB5-8B12-EF94072536FC}"/>
+              </a:ext>
+            </a:extLst>
+          </p:cNvPr>
+          <p:cNvSpPr>
+            <a:spLocks noGrp="1"/>
+          </p:cNvSpPr>
+          <p:nvPr>
+            <p:ph type="title"/>
+          </p:nvPr>
+        </p:nvSpPr>
+        <p:spPr>
+          <a:xfrm>
+            <a:off x="6746628" y="1783959"/>
+            <a:ext cx="4645250" cy="2889114"/>
+          </a:xfrm>
+        </p:spPr>
+        <p:txBody>
+          <a:bodyPr vert="horz" lIns="91440" tIns="45720" rIns="91440" bIns="45720" rtlCol="0" anchor="b">
+            <a:normAutofit/>
+          </a:bodyPr>
+          <a:lstStyle/>
+          <a:p>
+            <a:r>
+              <a:rPr lang="en-US" sz="6000" kern="1200">
+                <a:solidFill>
+                  <a:schemeClr val="bg1"/>
+                </a:solidFill>
+                <a:latin typeface="+mj-lt"/>
+                <a:ea typeface="+mj-ea"/>
+                <a:cs typeface="+mj-cs"/>
+              </a:rPr>
+              <a:t>Благодарим за вниманието!</a:t>
+            </a:r>
+          </a:p>
+        </p:txBody>
+      </p:sp>
+      <p:sp>
+        <p:nvSpPr>
+          <p:cNvPr id="12" name="Freeform: Shape 11">
+            <a:extLst>
+              <a:ext uri="{FF2B5EF4-FFF2-40B4-BE49-F238E27FC236}">
+                <a16:creationId xmlns:a16="http://schemas.microsoft.com/office/drawing/2014/main" id="{1DB7C82F-AB7E-4F0C-B829-FA1B9C415180}"/>
+              </a:ext>
+              <a:ext uri="{C183D7F6-B498-43B3-948B-1728B52AA6E4}">
+                <adec:decorative xmlns:adec="http://schemas.microsoft.com/office/drawing/2017/decorative" val="1"/>
+              </a:ext>
+            </a:extLst>
+          </p:cNvPr>
+          <p:cNvSpPr>
+            <a:spLocks noGrp="1" noRot="1" noChangeAspect="1" noMove="1" noResize="1" noEditPoints="1" noAdjustHandles="1" noChangeArrowheads="1" noChangeShapeType="1" noTextEdit="1"/>
+          </p:cNvSpPr>
+          <p:nvPr>
+            <p:extLst>
+              <p:ext uri="{386F3935-93C4-4BCD-93E2-E3B085C9AB24}">
+                <p16:designElem xmlns:p16="http://schemas.microsoft.com/office/powerpoint/2015/main" val="1"/>
+              </p:ext>
+            </p:extLst>
+          </p:nvPr>
+        </p:nvSpPr>
+        <p:spPr>
+          <a:xfrm flipH="1">
+            <a:off x="0" y="0"/>
+            <a:ext cx="6172782" cy="6858000"/>
+          </a:xfrm>
+          <a:custGeom>
+            <a:avLst/>
+            <a:gdLst>
+              <a:gd name="connsiteX0" fmla="*/ 6172782 w 6172782"/>
+              <a:gd name="connsiteY0" fmla="*/ 0 h 6858000"/>
+              <a:gd name="connsiteX1" fmla="*/ 69075 w 6172782"/>
+              <a:gd name="connsiteY1" fmla="*/ 0 h 6858000"/>
+              <a:gd name="connsiteX2" fmla="*/ 35131 w 6172782"/>
+              <a:gd name="connsiteY2" fmla="*/ 267128 h 6858000"/>
+              <a:gd name="connsiteX3" fmla="*/ 0 w 6172782"/>
+              <a:gd name="connsiteY3" fmla="*/ 962845 h 6858000"/>
+              <a:gd name="connsiteX4" fmla="*/ 3276103 w 6172782"/>
+              <a:gd name="connsiteY4" fmla="*/ 6782205 h 6858000"/>
+              <a:gd name="connsiteX5" fmla="*/ 3407923 w 6172782"/>
+              <a:gd name="connsiteY5" fmla="*/ 6858000 h 6858000"/>
+              <a:gd name="connsiteX6" fmla="*/ 6172782 w 6172782"/>
+              <a:gd name="connsiteY6" fmla="*/ 6858000 h 6858000"/>
+            </a:gdLst>
+            <a:ahLst/>
+            <a:cxnLst>
+              <a:cxn ang="0">
+                <a:pos x="connsiteX0" y="connsiteY0"/>
+              </a:cxn>
+              <a:cxn ang="0">
+                <a:pos x="connsiteX1" y="connsiteY1"/>
+              </a:cxn>
+              <a:cxn ang="0">
+                <a:pos x="connsiteX2" y="connsiteY2"/>
+              </a:cxn>
+              <a:cxn ang="0">
+                <a:pos x="connsiteX3" y="connsiteY3"/>
+              </a:cxn>
+              <a:cxn ang="0">
+                <a:pos x="connsiteX4" y="connsiteY4"/>
+              </a:cxn>
+              <a:cxn ang="0">
+                <a:pos x="connsiteX5" y="connsiteY5"/>
+              </a:cxn>
+              <a:cxn ang="0">
+                <a:pos x="connsiteX6" y="connsiteY6"/>
+              </a:cxn>
+            </a:cxnLst>
+            <a:rect l="l" t="t" r="r" b="b"/>
+            <a:pathLst>
+              <a:path w="6172782" h="6858000">
+                <a:moveTo>
+                  <a:pt x="6172782" y="0"/>
+                </a:moveTo>
+                <a:lnTo>
+                  <a:pt x="69075" y="0"/>
+                </a:lnTo>
+                <a:lnTo>
+                  <a:pt x="35131" y="267128"/>
+                </a:lnTo>
+                <a:cubicBezTo>
+                  <a:pt x="11901" y="495874"/>
+                  <a:pt x="0" y="727970"/>
+                  <a:pt x="0" y="962845"/>
+                </a:cubicBezTo>
+                <a:cubicBezTo>
+                  <a:pt x="0" y="3429034"/>
+                  <a:pt x="1312002" y="5588789"/>
+                  <a:pt x="3276103" y="6782205"/>
+                </a:cubicBezTo>
+                <a:lnTo>
+                  <a:pt x="3407923" y="6858000"/>
+                </a:lnTo>
+                <a:lnTo>
+                  <a:pt x="6172782" y="6858000"/>
+                </a:lnTo>
+                <a:close/>
+              </a:path>
+            </a:pathLst>
+          </a:custGeom>
+          <a:solidFill>
+            <a:schemeClr val="bg1">
+              <a:alpha val="80000"/>
+            </a:schemeClr>
+          </a:solidFill>
+          <a:ln>
+            <a:noFill/>
+          </a:ln>
+        </p:spPr>
+        <p:style>
+          <a:lnRef idx="2">
+            <a:schemeClr val="accent1">
+              <a:shade val="50000"/>
+            </a:schemeClr>
+          </a:lnRef>
+          <a:fillRef idx="1">
+            <a:schemeClr val="accent1"/>
+          </a:fillRef>
+          <a:effectRef idx="0">
+            <a:schemeClr val="accent1"/>
+          </a:effectRef>
+          <a:fontRef idx="minor">
+            <a:schemeClr val="lt1"/>
+          </a:fontRef>
+        </p:style>
+        <p:txBody>
+          <a:bodyPr wrap="square" rtlCol="0" anchor="ctr">
+            <a:noAutofit/>
+          </a:bodyPr>
+          <a:lstStyle/>
+          <a:p>
+            <a:pPr marL="0" marR="0" lvl="0" indent="0" algn="ctr" defTabSz="914400" rtl="0" eaLnBrk="1" fontAlgn="auto" latinLnBrk="0" hangingPunct="1">
+              <a:lnSpc>
+                <a:spcPct val="100000"/>
+              </a:lnSpc>
+              <a:spcBef>
+                <a:spcPts val="0"/>
+              </a:spcBef>
+              <a:spcAft>
+                <a:spcPts val="0"/>
+              </a:spcAft>
+              <a:buClrTx/>
+              <a:buSzTx/>
+              <a:buFontTx/>
+              <a:buNone/>
+              <a:tabLst/>
+              <a:defRPr/>
+            </a:pPr>
+            <a:endParaRPr kumimoji="0" lang="en-US" sz="1800" b="0" i="0" u="none" strike="noStrike" kern="1200" cap="none" spc="0" normalizeH="0" baseline="0" noProof="0">
+              <a:ln>
+                <a:noFill/>
+              </a:ln>
+              <a:solidFill>
+                <a:prstClr val="white"/>
+              </a:solidFill>
+              <a:effectLst/>
+              <a:uLnTx/>
+              <a:uFillTx/>
+              <a:latin typeface="Calibri" panose="020F0502020204030204"/>
+              <a:ea typeface="+mn-ea"/>
+              <a:cs typeface="+mn-cs"/>
+            </a:endParaRPr>
+          </a:p>
+        </p:txBody>
+      </p:sp>
+      <p:sp>
+        <p:nvSpPr>
+          <p:cNvPr id="14" name="Freeform: Shape 13">
+            <a:extLst>
+              <a:ext uri="{FF2B5EF4-FFF2-40B4-BE49-F238E27FC236}">
+                <a16:creationId xmlns:a16="http://schemas.microsoft.com/office/drawing/2014/main" id="{70B66945-4967-4040-926D-DCA44313CDAB}"/>
+              </a:ext>
+              <a:ext uri="{C183D7F6-B498-43B3-948B-1728B52AA6E4}">
+                <adec:decorative xmlns:adec="http://schemas.microsoft.com/office/drawing/2017/decorative" val="1"/>
+              </a:ext>
+            </a:extLst>
+          </p:cNvPr>
+          <p:cNvSpPr>
+            <a:spLocks noGrp="1" noRot="1" noChangeAspect="1" noMove="1" noResize="1" noEditPoints="1" noAdjustHandles="1" noChangeArrowheads="1" noChangeShapeType="1" noTextEdit="1"/>
+          </p:cNvSpPr>
+          <p:nvPr>
+            <p:extLst>
+              <p:ext uri="{386F3935-93C4-4BCD-93E2-E3B085C9AB24}">
+                <p16:designElem xmlns:p16="http://schemas.microsoft.com/office/powerpoint/2015/main" val="1"/>
+              </p:ext>
+            </p:extLst>
+          </p:nvPr>
+        </p:nvSpPr>
+        <p:spPr>
+          <a:xfrm>
+            <a:off x="0" y="0"/>
+            <a:ext cx="6024154" cy="6858000"/>
+          </a:xfrm>
+          <a:custGeom>
+            <a:avLst/>
+            <a:gdLst>
+              <a:gd name="connsiteX0" fmla="*/ 0 w 6024154"/>
+              <a:gd name="connsiteY0" fmla="*/ 0 h 6858000"/>
+              <a:gd name="connsiteX1" fmla="*/ 5953780 w 6024154"/>
+              <a:gd name="connsiteY1" fmla="*/ 0 h 6858000"/>
+              <a:gd name="connsiteX2" fmla="*/ 5989880 w 6024154"/>
+              <a:gd name="connsiteY2" fmla="*/ 284091 h 6858000"/>
+              <a:gd name="connsiteX3" fmla="*/ 6024154 w 6024154"/>
+              <a:gd name="connsiteY3" fmla="*/ 962844 h 6858000"/>
+              <a:gd name="connsiteX4" fmla="*/ 2549934 w 6024154"/>
+              <a:gd name="connsiteY4" fmla="*/ 6800152 h 6858000"/>
+              <a:gd name="connsiteX5" fmla="*/ 2436987 w 6024154"/>
+              <a:gd name="connsiteY5" fmla="*/ 6858000 h 6858000"/>
+              <a:gd name="connsiteX6" fmla="*/ 0 w 6024154"/>
+              <a:gd name="connsiteY6" fmla="*/ 6858000 h 6858000"/>
+            </a:gdLst>
+            <a:ahLst/>
+            <a:cxnLst>
+              <a:cxn ang="0">
+                <a:pos x="connsiteX0" y="connsiteY0"/>
+              </a:cxn>
+              <a:cxn ang="0">
+                <a:pos x="connsiteX1" y="connsiteY1"/>
+              </a:cxn>
+              <a:cxn ang="0">
+                <a:pos x="connsiteX2" y="connsiteY2"/>
+              </a:cxn>
+              <a:cxn ang="0">
+                <a:pos x="connsiteX3" y="connsiteY3"/>
+              </a:cxn>
+              <a:cxn ang="0">
+                <a:pos x="connsiteX4" y="connsiteY4"/>
+              </a:cxn>
+              <a:cxn ang="0">
+                <a:pos x="connsiteX5" y="connsiteY5"/>
+              </a:cxn>
+              <a:cxn ang="0">
+                <a:pos x="connsiteX6" y="connsiteY6"/>
+              </a:cxn>
+            </a:cxnLst>
+            <a:rect l="l" t="t" r="r" b="b"/>
+            <a:pathLst>
+              <a:path w="6024154" h="6858000">
+                <a:moveTo>
+                  <a:pt x="0" y="0"/>
+                </a:moveTo>
+                <a:lnTo>
+                  <a:pt x="5953780" y="0"/>
+                </a:lnTo>
+                <a:lnTo>
+                  <a:pt x="5989880" y="284091"/>
+                </a:lnTo>
+                <a:cubicBezTo>
+                  <a:pt x="6012544" y="507260"/>
+                  <a:pt x="6024154" y="733696"/>
+                  <a:pt x="6024154" y="962844"/>
+                </a:cubicBezTo>
+                <a:cubicBezTo>
+                  <a:pt x="6024154" y="3483472"/>
+                  <a:pt x="4619336" y="5675986"/>
+                  <a:pt x="2549934" y="6800152"/>
+                </a:cubicBezTo>
+                <a:lnTo>
+                  <a:pt x="2436987" y="6858000"/>
+                </a:lnTo>
+                <a:lnTo>
+                  <a:pt x="0" y="6858000"/>
+                </a:lnTo>
+                <a:close/>
+              </a:path>
+            </a:pathLst>
+          </a:custGeom>
+          <a:solidFill>
+            <a:schemeClr val="bg1"/>
+          </a:solidFill>
+          <a:ln>
+            <a:noFill/>
+          </a:ln>
+        </p:spPr>
+        <p:style>
+          <a:lnRef idx="2">
+            <a:schemeClr val="accent1">
+              <a:shade val="50000"/>
+            </a:schemeClr>
+          </a:lnRef>
+          <a:fillRef idx="1">
+            <a:schemeClr val="accent1"/>
+          </a:fillRef>
+          <a:effectRef idx="0">
+            <a:schemeClr val="accent1"/>
+          </a:effectRef>
+          <a:fontRef idx="minor">
+            <a:schemeClr val="lt1"/>
+          </a:fontRef>
+        </p:style>
+        <p:txBody>
+          <a:bodyPr wrap="square" rtlCol="0" anchor="ctr">
+            <a:noAutofit/>
+          </a:bodyPr>
+          <a:lstStyle/>
+          <a:p>
+            <a:pPr marL="0" marR="0" lvl="0" indent="0" algn="ctr" defTabSz="914400" rtl="0" eaLnBrk="1" fontAlgn="auto" latinLnBrk="0" hangingPunct="1">
+              <a:lnSpc>
+                <a:spcPct val="100000"/>
+              </a:lnSpc>
+              <a:spcBef>
+                <a:spcPts val="0"/>
+              </a:spcBef>
+              <a:spcAft>
+                <a:spcPts val="0"/>
+              </a:spcAft>
+              <a:buClrTx/>
+              <a:buSzTx/>
+              <a:buFontTx/>
+              <a:buNone/>
+              <a:tabLst/>
+              <a:defRPr/>
+            </a:pPr>
+            <a:endParaRPr kumimoji="0" lang="en-US" sz="1800" b="0" i="0" u="none" strike="noStrike" kern="1200" cap="none" spc="0" normalizeH="0" baseline="0" noProof="0">
+              <a:ln>
+                <a:noFill/>
+              </a:ln>
+              <a:solidFill>
+                <a:prstClr val="white"/>
+              </a:solidFill>
+              <a:effectLst/>
+              <a:uLnTx/>
+              <a:uFillTx/>
+              <a:latin typeface="Calibri" panose="020F0502020204030204"/>
+              <a:ea typeface="+mn-ea"/>
+              <a:cs typeface="+mn-cs"/>
+            </a:endParaRPr>
+          </a:p>
+        </p:txBody>
+      </p:sp>
+      <p:pic>
+        <p:nvPicPr>
+          <p:cNvPr id="5" name="Picture 4">
+            <a:extLst>
+              <a:ext uri="{FF2B5EF4-FFF2-40B4-BE49-F238E27FC236}">
+                <a16:creationId xmlns:a16="http://schemas.microsoft.com/office/drawing/2014/main" id="{CDACAC9D-265F-411A-9236-78EC418A8189}"/>
+              </a:ext>
+            </a:extLst>
+          </p:cNvPr>
+          <p:cNvPicPr>
+            <a:picLocks noChangeAspect="1"/>
+          </p:cNvPicPr>
+          <p:nvPr/>
+        </p:nvPicPr>
+        <p:blipFill>
+          <a:blip r:embed="rId2">
+            <a:extLst>
+              <a:ext uri="{28A0092B-C50C-407E-A947-70E740481C1C}">
+                <a14:useLocalDpi xmlns:a14="http://schemas.microsoft.com/office/drawing/2010/main" val="0"/>
+              </a:ext>
+            </a:extLst>
+          </a:blip>
+          <a:stretch>
+            <a:fillRect/>
+          </a:stretch>
+        </p:blipFill>
+        <p:spPr>
+          <a:xfrm>
+            <a:off x="669946" y="489204"/>
+            <a:ext cx="3546714" cy="4511421"/>
+          </a:xfrm>
+          <a:prstGeom prst="rect">
+            <a:avLst/>
+          </a:prstGeom>
+        </p:spPr>
+      </p:pic>
+      <p:sp>
+        <p:nvSpPr>
+          <p:cNvPr id="3" name="TextBox 2">
+            <a:extLst>
+              <a:ext uri="{FF2B5EF4-FFF2-40B4-BE49-F238E27FC236}">
+                <a16:creationId xmlns:a16="http://schemas.microsoft.com/office/drawing/2014/main" id="{ADD49B69-B723-4C38-98D8-6D22C690F98A}"/>
+              </a:ext>
+            </a:extLst>
+          </p:cNvPr>
+          <p:cNvSpPr txBox="1"/>
+          <p:nvPr/>
+        </p:nvSpPr>
+        <p:spPr>
+          <a:xfrm>
+            <a:off x="8341009" y="5928351"/>
+            <a:ext cx="6904139" cy="723275"/>
+          </a:xfrm>
+          <a:prstGeom prst="rect">
+            <a:avLst/>
+          </a:prstGeom>
+          <a:noFill/>
+        </p:spPr>
+        <p:txBody>
+          <a:bodyPr wrap="square" rtlCol="0">
+            <a:spAutoFit/>
+          </a:bodyPr>
+          <a:lstStyle/>
+          <a:p>
+            <a:pPr>
+              <a:spcAft>
+                <a:spcPts val="600"/>
+              </a:spcAft>
+            </a:pPr>
+            <a:r>
+              <a:rPr lang="bg-BG" dirty="0">
+                <a:solidFill>
+                  <a:schemeClr val="bg1"/>
+                </a:solidFill>
+              </a:rPr>
+              <a:t>Зара Андреева             </a:t>
+            </a:r>
+            <a:r>
+              <a:rPr lang="en-US" dirty="0">
+                <a:solidFill>
+                  <a:schemeClr val="bg1"/>
+                </a:solidFill>
+              </a:rPr>
+              <a:t>F92007</a:t>
+            </a:r>
+            <a:endParaRPr lang="bg-BG" dirty="0">
+              <a:solidFill>
+                <a:schemeClr val="bg1"/>
+              </a:solidFill>
+            </a:endParaRPr>
+          </a:p>
+          <a:p>
+            <a:pPr>
+              <a:spcAft>
+                <a:spcPts val="600"/>
+              </a:spcAft>
+            </a:pPr>
+            <a:r>
+              <a:rPr lang="bg-BG" dirty="0">
+                <a:solidFill>
+                  <a:schemeClr val="bg1"/>
+                </a:solidFill>
+              </a:rPr>
+              <a:t>Мирослав Маринов </a:t>
+            </a:r>
+            <a:r>
+              <a:rPr lang="en-US" dirty="0">
+                <a:solidFill>
+                  <a:schemeClr val="bg1"/>
+                </a:solidFill>
+              </a:rPr>
+              <a:t>  F82872</a:t>
+            </a:r>
+          </a:p>
+        </p:txBody>
+      </p:sp>
+    </p:spTree>
+    <p:extLst>
+      <p:ext uri="{BB962C8B-B14F-4D97-AF65-F5344CB8AC3E}">
+        <p14:creationId xmlns:p14="http://schemas.microsoft.com/office/powerpoint/2010/main" val="4029103823"/>
+      </p:ext>
+    </p:extLst>
+  </p:cSld>
+  <p:clrMapOvr>
+    <a:masterClrMapping/>
+  </p:clrMapOvr>
+</p:sld>
+</file>
+
 <file path=ppt/theme/theme1.xml><?xml version="1.0" encoding="utf-8"?>
 <a:theme xmlns:a="http://schemas.openxmlformats.org/drawingml/2006/main" name="Office Theme">
   <a:themeElements>
